--- a/Documentos/Estatus Solicitudes de Nómina.pptx
+++ b/Documentos/Estatus Solicitudes de Nómina.pptx
@@ -261,7 +261,7 @@
           <a:p>
             <a:fld id="{440015AB-466E-464C-BA3E-3457FB5CFC21}" type="datetimeFigureOut">
               <a:rPr lang="es-MX" smtClean="0"/>
-              <a:t>06/02/2019</a:t>
+              <a:t>08/02/2019</a:t>
             </a:fld>
             <a:endParaRPr lang="es-MX"/>
           </a:p>
@@ -461,7 +461,7 @@
           <a:p>
             <a:fld id="{440015AB-466E-464C-BA3E-3457FB5CFC21}" type="datetimeFigureOut">
               <a:rPr lang="es-MX" smtClean="0"/>
-              <a:t>06/02/2019</a:t>
+              <a:t>08/02/2019</a:t>
             </a:fld>
             <a:endParaRPr lang="es-MX"/>
           </a:p>
@@ -671,7 +671,7 @@
           <a:p>
             <a:fld id="{440015AB-466E-464C-BA3E-3457FB5CFC21}" type="datetimeFigureOut">
               <a:rPr lang="es-MX" smtClean="0"/>
-              <a:t>06/02/2019</a:t>
+              <a:t>08/02/2019</a:t>
             </a:fld>
             <a:endParaRPr lang="es-MX"/>
           </a:p>
@@ -871,7 +871,7 @@
           <a:p>
             <a:fld id="{440015AB-466E-464C-BA3E-3457FB5CFC21}" type="datetimeFigureOut">
               <a:rPr lang="es-MX" smtClean="0"/>
-              <a:t>06/02/2019</a:t>
+              <a:t>08/02/2019</a:t>
             </a:fld>
             <a:endParaRPr lang="es-MX"/>
           </a:p>
@@ -1147,7 +1147,7 @@
           <a:p>
             <a:fld id="{440015AB-466E-464C-BA3E-3457FB5CFC21}" type="datetimeFigureOut">
               <a:rPr lang="es-MX" smtClean="0"/>
-              <a:t>06/02/2019</a:t>
+              <a:t>08/02/2019</a:t>
             </a:fld>
             <a:endParaRPr lang="es-MX"/>
           </a:p>
@@ -1415,7 +1415,7 @@
           <a:p>
             <a:fld id="{440015AB-466E-464C-BA3E-3457FB5CFC21}" type="datetimeFigureOut">
               <a:rPr lang="es-MX" smtClean="0"/>
-              <a:t>06/02/2019</a:t>
+              <a:t>08/02/2019</a:t>
             </a:fld>
             <a:endParaRPr lang="es-MX"/>
           </a:p>
@@ -1830,7 +1830,7 @@
           <a:p>
             <a:fld id="{440015AB-466E-464C-BA3E-3457FB5CFC21}" type="datetimeFigureOut">
               <a:rPr lang="es-MX" smtClean="0"/>
-              <a:t>06/02/2019</a:t>
+              <a:t>08/02/2019</a:t>
             </a:fld>
             <a:endParaRPr lang="es-MX"/>
           </a:p>
@@ -1972,7 +1972,7 @@
           <a:p>
             <a:fld id="{440015AB-466E-464C-BA3E-3457FB5CFC21}" type="datetimeFigureOut">
               <a:rPr lang="es-MX" smtClean="0"/>
-              <a:t>06/02/2019</a:t>
+              <a:t>08/02/2019</a:t>
             </a:fld>
             <a:endParaRPr lang="es-MX"/>
           </a:p>
@@ -2085,7 +2085,7 @@
           <a:p>
             <a:fld id="{440015AB-466E-464C-BA3E-3457FB5CFC21}" type="datetimeFigureOut">
               <a:rPr lang="es-MX" smtClean="0"/>
-              <a:t>06/02/2019</a:t>
+              <a:t>08/02/2019</a:t>
             </a:fld>
             <a:endParaRPr lang="es-MX"/>
           </a:p>
@@ -2398,7 +2398,7 @@
           <a:p>
             <a:fld id="{440015AB-466E-464C-BA3E-3457FB5CFC21}" type="datetimeFigureOut">
               <a:rPr lang="es-MX" smtClean="0"/>
-              <a:t>06/02/2019</a:t>
+              <a:t>08/02/2019</a:t>
             </a:fld>
             <a:endParaRPr lang="es-MX"/>
           </a:p>
@@ -2687,7 +2687,7 @@
           <a:p>
             <a:fld id="{440015AB-466E-464C-BA3E-3457FB5CFC21}" type="datetimeFigureOut">
               <a:rPr lang="es-MX" smtClean="0"/>
-              <a:t>06/02/2019</a:t>
+              <a:t>08/02/2019</a:t>
             </a:fld>
             <a:endParaRPr lang="es-MX"/>
           </a:p>
@@ -2930,7 +2930,7 @@
           <a:p>
             <a:fld id="{440015AB-466E-464C-BA3E-3457FB5CFC21}" type="datetimeFigureOut">
               <a:rPr lang="es-MX" smtClean="0"/>
-              <a:t>06/02/2019</a:t>
+              <a:t>08/02/2019</a:t>
             </a:fld>
             <a:endParaRPr lang="es-MX"/>
           </a:p>
@@ -3916,8 +3916,8 @@
         </p:nvSpPr>
         <p:spPr>
           <a:xfrm>
-            <a:off x="843918" y="365125"/>
-            <a:ext cx="4724400" cy="1477328"/>
+            <a:off x="845316" y="230901"/>
+            <a:ext cx="4724400" cy="1785104"/>
           </a:xfrm>
           <a:prstGeom prst="rect">
             <a:avLst/>
@@ -3931,6 +3931,12 @@
           <a:lstStyle/>
           <a:p>
             <a:r>
+              <a:rPr lang="es-MX" sz="1000" b="1" dirty="0"/>
+              <a:t>Clave	Estatus</a:t>
+            </a:r>
+          </a:p>
+          <a:p>
+            <a:r>
               <a:rPr lang="es-MX" sz="1000" dirty="0"/>
               <a:t>	Inicio</a:t>
             </a:r>
@@ -3980,7 +3986,13 @@
           <a:p>
             <a:r>
               <a:rPr lang="es-MX" sz="1000" dirty="0"/>
-              <a:t>	Cerrada</a:t>
+              <a:t>CE	Cerrada</a:t>
+            </a:r>
+          </a:p>
+          <a:p>
+            <a:r>
+              <a:rPr lang="es-MX" sz="1000" dirty="0"/>
+              <a:t>	Fin</a:t>
             </a:r>
           </a:p>
         </p:txBody>
@@ -4288,49 +4300,6 @@
       </p:cxnSp>
       <p:cxnSp>
         <p:nvCxnSpPr>
-          <p:cNvPr id="36" name="Conector recto de flecha 35">
-            <a:extLst>
-              <a:ext uri="{FF2B5EF4-FFF2-40B4-BE49-F238E27FC236}">
-                <a16:creationId xmlns:a16="http://schemas.microsoft.com/office/drawing/2014/main" id="{BF995A8A-EC84-4154-AAC3-E13153419CAF}"/>
-              </a:ext>
-            </a:extLst>
-          </p:cNvPr>
-          <p:cNvCxnSpPr>
-            <a:cxnSpLocks/>
-            <a:stCxn id="8" idx="0"/>
-            <a:endCxn id="10" idx="4"/>
-          </p:cNvCxnSpPr>
-          <p:nvPr/>
-        </p:nvCxnSpPr>
-        <p:spPr>
-          <a:xfrm flipH="1" flipV="1">
-            <a:off x="4389930" y="4418215"/>
-            <a:ext cx="840" cy="882541"/>
-          </a:xfrm>
-          <a:prstGeom prst="straightConnector1">
-            <a:avLst/>
-          </a:prstGeom>
-          <a:ln>
-            <a:tailEnd type="triangle"/>
-          </a:ln>
-        </p:spPr>
-        <p:style>
-          <a:lnRef idx="1">
-            <a:schemeClr val="accent1"/>
-          </a:lnRef>
-          <a:fillRef idx="0">
-            <a:schemeClr val="accent1"/>
-          </a:fillRef>
-          <a:effectRef idx="0">
-            <a:schemeClr val="accent1"/>
-          </a:effectRef>
-          <a:fontRef idx="minor">
-            <a:schemeClr val="tx1"/>
-          </a:fontRef>
-        </p:style>
-      </p:cxnSp>
-      <p:cxnSp>
-        <p:nvCxnSpPr>
           <p:cNvPr id="38" name="Conector recto de flecha 37">
             <a:extLst>
               <a:ext uri="{FF2B5EF4-FFF2-40B4-BE49-F238E27FC236}">
@@ -4544,24 +4513,23 @@
       </p:cxnSp>
       <p:cxnSp>
         <p:nvCxnSpPr>
-          <p:cNvPr id="56" name="Conector recto de flecha 55">
-            <a:extLst>
-              <a:ext uri="{FF2B5EF4-FFF2-40B4-BE49-F238E27FC236}">
-                <a16:creationId xmlns:a16="http://schemas.microsoft.com/office/drawing/2014/main" id="{6ACD421E-D66B-41A7-A30F-DB2C0610DC1B}"/>
+          <p:cNvPr id="226" name="Conector recto de flecha 225">
+            <a:extLst>
+              <a:ext uri="{FF2B5EF4-FFF2-40B4-BE49-F238E27FC236}">
+                <a16:creationId xmlns:a16="http://schemas.microsoft.com/office/drawing/2014/main" id="{CD6A2654-74D3-4369-A557-5F691324AFF8}"/>
               </a:ext>
             </a:extLst>
           </p:cNvPr>
           <p:cNvCxnSpPr>
-            <a:cxnSpLocks/>
-            <a:stCxn id="11" idx="4"/>
-            <a:endCxn id="6" idx="0"/>
+            <a:stCxn id="8" idx="6"/>
+            <a:endCxn id="6" idx="2"/>
           </p:cNvCxnSpPr>
           <p:nvPr/>
         </p:nvCxnSpPr>
         <p:spPr>
-          <a:xfrm flipH="1">
-            <a:off x="6128685" y="4418215"/>
-            <a:ext cx="20407" cy="886973"/>
+          <a:xfrm>
+            <a:off x="4771770" y="5700806"/>
+            <a:ext cx="975915" cy="4432"/>
           </a:xfrm>
           <a:prstGeom prst="straightConnector1">
             <a:avLst/>
@@ -4579,6 +4547,99 @@
           </a:fillRef>
           <a:effectRef idx="0">
             <a:schemeClr val="accent1"/>
+          </a:effectRef>
+          <a:fontRef idx="minor">
+            <a:schemeClr val="tx1"/>
+          </a:fontRef>
+        </p:style>
+      </p:cxnSp>
+      <p:sp>
+        <p:nvSpPr>
+          <p:cNvPr id="273" name="Arco 272">
+            <a:extLst>
+              <a:ext uri="{FF2B5EF4-FFF2-40B4-BE49-F238E27FC236}">
+                <a16:creationId xmlns:a16="http://schemas.microsoft.com/office/drawing/2014/main" id="{A5EEBB17-6318-408D-ABAB-EF886A096131}"/>
+              </a:ext>
+            </a:extLst>
+          </p:cNvPr>
+          <p:cNvSpPr/>
+          <p:nvPr/>
+        </p:nvSpPr>
+        <p:spPr>
+          <a:xfrm>
+            <a:off x="5333268" y="3218065"/>
+            <a:ext cx="815823" cy="800100"/>
+          </a:xfrm>
+          <a:prstGeom prst="arc">
+            <a:avLst>
+              <a:gd name="adj1" fmla="val 5144983"/>
+              <a:gd name="adj2" fmla="val 0"/>
+            </a:avLst>
+          </a:prstGeom>
+        </p:spPr>
+        <p:style>
+          <a:lnRef idx="1">
+            <a:schemeClr val="accent1"/>
+          </a:lnRef>
+          <a:fillRef idx="0">
+            <a:schemeClr val="accent1"/>
+          </a:fillRef>
+          <a:effectRef idx="0">
+            <a:schemeClr val="accent1"/>
+          </a:effectRef>
+          <a:fontRef idx="minor">
+            <a:schemeClr val="tx1"/>
+          </a:fontRef>
+        </p:style>
+        <p:txBody>
+          <a:bodyPr rtlCol="0" anchor="ctr"/>
+          <a:lstStyle/>
+          <a:p>
+            <a:pPr algn="ctr"/>
+            <a:endParaRPr lang="es-MX"/>
+          </a:p>
+        </p:txBody>
+      </p:sp>
+      <p:cxnSp>
+        <p:nvCxnSpPr>
+          <p:cNvPr id="16" name="Conector recto de flecha 15">
+            <a:extLst>
+              <a:ext uri="{FF2B5EF4-FFF2-40B4-BE49-F238E27FC236}">
+                <a16:creationId xmlns:a16="http://schemas.microsoft.com/office/drawing/2014/main" id="{B8A9CC04-30D6-4291-A447-1E72FEC79F06}"/>
+              </a:ext>
+            </a:extLst>
+          </p:cNvPr>
+          <p:cNvCxnSpPr>
+            <a:cxnSpLocks/>
+            <a:stCxn id="12" idx="4"/>
+            <a:endCxn id="6" idx="7"/>
+          </p:cNvCxnSpPr>
+          <p:nvPr/>
+        </p:nvCxnSpPr>
+        <p:spPr>
+          <a:xfrm flipH="1">
+            <a:off x="6398093" y="4443266"/>
+            <a:ext cx="1503843" cy="979094"/>
+          </a:xfrm>
+          <a:prstGeom prst="straightConnector1">
+            <a:avLst/>
+          </a:prstGeom>
+          <a:ln>
+            <a:solidFill>
+              <a:srgbClr val="FF0000"/>
+            </a:solidFill>
+            <a:tailEnd type="triangle"/>
+          </a:ln>
+        </p:spPr>
+        <p:style>
+          <a:lnRef idx="3">
+            <a:schemeClr val="accent2"/>
+          </a:lnRef>
+          <a:fillRef idx="0">
+            <a:schemeClr val="accent2"/>
+          </a:fillRef>
+          <a:effectRef idx="2">
+            <a:schemeClr val="accent2"/>
           </a:effectRef>
           <a:fontRef idx="minor">
             <a:schemeClr val="tx1"/>
@@ -4587,23 +4648,233 @@
       </p:cxnSp>
       <p:cxnSp>
         <p:nvCxnSpPr>
-          <p:cNvPr id="226" name="Conector recto de flecha 225">
-            <a:extLst>
-              <a:ext uri="{FF2B5EF4-FFF2-40B4-BE49-F238E27FC236}">
-                <a16:creationId xmlns:a16="http://schemas.microsoft.com/office/drawing/2014/main" id="{CD6A2654-74D3-4369-A557-5F691324AFF8}"/>
+          <p:cNvPr id="18" name="Conector: curvado 17">
+            <a:extLst>
+              <a:ext uri="{FF2B5EF4-FFF2-40B4-BE49-F238E27FC236}">
+                <a16:creationId xmlns:a16="http://schemas.microsoft.com/office/drawing/2014/main" id="{E0D9E5C1-CB1F-4765-A9BC-0C9E03BF38F2}"/>
               </a:ext>
             </a:extLst>
           </p:cNvPr>
           <p:cNvCxnSpPr>
-            <a:stCxn id="8" idx="6"/>
-            <a:endCxn id="6" idx="2"/>
+            <a:cxnSpLocks/>
+            <a:stCxn id="10" idx="6"/>
+            <a:endCxn id="12" idx="3"/>
           </p:cNvCxnSpPr>
           <p:nvPr/>
         </p:nvCxnSpPr>
         <p:spPr>
           <a:xfrm>
-            <a:off x="4771770" y="5700806"/>
-            <a:ext cx="975915" cy="4432"/>
+            <a:off x="4770930" y="4018165"/>
+            <a:ext cx="2861598" cy="307929"/>
+          </a:xfrm>
+          <a:prstGeom prst="curvedConnector4">
+            <a:avLst>
+              <a:gd name="adj1" fmla="val 33072"/>
+              <a:gd name="adj2" fmla="val 277862"/>
+            </a:avLst>
+          </a:prstGeom>
+          <a:ln>
+            <a:tailEnd type="triangle"/>
+          </a:ln>
+        </p:spPr>
+        <p:style>
+          <a:lnRef idx="1">
+            <a:schemeClr val="accent1"/>
+          </a:lnRef>
+          <a:fillRef idx="0">
+            <a:schemeClr val="accent1"/>
+          </a:fillRef>
+          <a:effectRef idx="0">
+            <a:schemeClr val="accent1"/>
+          </a:effectRef>
+          <a:fontRef idx="minor">
+            <a:schemeClr val="tx1"/>
+          </a:fontRef>
+        </p:style>
+      </p:cxnSp>
+      <p:cxnSp>
+        <p:nvCxnSpPr>
+          <p:cNvPr id="42" name="Conector: curvado 41">
+            <a:extLst>
+              <a:ext uri="{FF2B5EF4-FFF2-40B4-BE49-F238E27FC236}">
+                <a16:creationId xmlns:a16="http://schemas.microsoft.com/office/drawing/2014/main" id="{CACE2B32-0B26-444A-BFEB-C52BBE120E9B}"/>
+              </a:ext>
+            </a:extLst>
+          </p:cNvPr>
+          <p:cNvCxnSpPr>
+            <a:stCxn id="10" idx="0"/>
+            <a:endCxn id="5" idx="2"/>
+          </p:cNvCxnSpPr>
+          <p:nvPr/>
+        </p:nvCxnSpPr>
+        <p:spPr>
+          <a:xfrm rot="5400000" flipH="1" flipV="1">
+            <a:off x="5270288" y="1367467"/>
+            <a:ext cx="1370290" cy="3131006"/>
+          </a:xfrm>
+          <a:prstGeom prst="curvedConnector2">
+            <a:avLst/>
+          </a:prstGeom>
+          <a:ln>
+            <a:tailEnd type="triangle"/>
+          </a:ln>
+        </p:spPr>
+        <p:style>
+          <a:lnRef idx="1">
+            <a:schemeClr val="accent1"/>
+          </a:lnRef>
+          <a:fillRef idx="0">
+            <a:schemeClr val="accent1"/>
+          </a:fillRef>
+          <a:effectRef idx="0">
+            <a:schemeClr val="accent1"/>
+          </a:effectRef>
+          <a:fontRef idx="minor">
+            <a:schemeClr val="tx1"/>
+          </a:fontRef>
+        </p:style>
+      </p:cxnSp>
+      <p:sp>
+        <p:nvSpPr>
+          <p:cNvPr id="49" name="CuadroTexto 48">
+            <a:extLst>
+              <a:ext uri="{FF2B5EF4-FFF2-40B4-BE49-F238E27FC236}">
+                <a16:creationId xmlns:a16="http://schemas.microsoft.com/office/drawing/2014/main" id="{4B190886-62D3-41AF-92AE-2FC67DABEFFD}"/>
+              </a:ext>
+            </a:extLst>
+          </p:cNvPr>
+          <p:cNvSpPr txBox="1"/>
+          <p:nvPr/>
+        </p:nvSpPr>
+        <p:spPr>
+          <a:xfrm>
+            <a:off x="836927" y="2103046"/>
+            <a:ext cx="4724400" cy="1015663"/>
+          </a:xfrm>
+          <a:prstGeom prst="rect">
+            <a:avLst/>
+          </a:prstGeom>
+          <a:noFill/>
+        </p:spPr>
+        <p:txBody>
+          <a:bodyPr wrap="square" rtlCol="0">
+            <a:spAutoFit/>
+          </a:bodyPr>
+          <a:lstStyle/>
+          <a:p>
+            <a:r>
+              <a:rPr lang="es-MX" sz="1000" b="1" dirty="0"/>
+              <a:t>Clave</a:t>
+            </a:r>
+            <a:r>
+              <a:rPr lang="es-MX" sz="1000" dirty="0"/>
+              <a:t>	</a:t>
+            </a:r>
+            <a:r>
+              <a:rPr lang="es-MX" sz="1000" b="1" dirty="0"/>
+              <a:t>Actores</a:t>
+            </a:r>
+          </a:p>
+          <a:p>
+            <a:r>
+              <a:rPr lang="es-MX" sz="1000" dirty="0"/>
+              <a:t>SOL	Solicitante</a:t>
+            </a:r>
+          </a:p>
+          <a:p>
+            <a:r>
+              <a:rPr lang="es-MX" sz="1000" dirty="0"/>
+              <a:t>AUT	Autorizador</a:t>
+            </a:r>
+          </a:p>
+          <a:p>
+            <a:r>
+              <a:rPr lang="es-MX" sz="1000" dirty="0"/>
+              <a:t>CN	Coordinador de Nómina</a:t>
+            </a:r>
+          </a:p>
+          <a:p>
+            <a:r>
+              <a:rPr lang="es-MX" sz="1000" dirty="0"/>
+              <a:t>PROCA	Proceso automático de autorización</a:t>
+            </a:r>
+          </a:p>
+          <a:p>
+            <a:r>
+              <a:rPr lang="es-MX" sz="1000" dirty="0"/>
+              <a:t>PROCC	Proceso automático de cierre</a:t>
+            </a:r>
+          </a:p>
+        </p:txBody>
+      </p:sp>
+      <p:cxnSp>
+        <p:nvCxnSpPr>
+          <p:cNvPr id="46" name="Conector: curvado 45">
+            <a:extLst>
+              <a:ext uri="{FF2B5EF4-FFF2-40B4-BE49-F238E27FC236}">
+                <a16:creationId xmlns:a16="http://schemas.microsoft.com/office/drawing/2014/main" id="{2B33F266-AF5A-415F-BF35-A85D0F719982}"/>
+              </a:ext>
+            </a:extLst>
+          </p:cNvPr>
+          <p:cNvCxnSpPr>
+            <a:cxnSpLocks/>
+            <a:stCxn id="5" idx="4"/>
+            <a:endCxn id="6" idx="0"/>
+          </p:cNvCxnSpPr>
+          <p:nvPr/>
+        </p:nvCxnSpPr>
+        <p:spPr>
+          <a:xfrm rot="5400000">
+            <a:off x="5686655" y="3089906"/>
+            <a:ext cx="2657313" cy="1773251"/>
+          </a:xfrm>
+          <a:prstGeom prst="curvedConnector3">
+            <a:avLst>
+              <a:gd name="adj1" fmla="val 50000"/>
+            </a:avLst>
+          </a:prstGeom>
+          <a:ln>
+            <a:solidFill>
+              <a:srgbClr val="FF0000"/>
+            </a:solidFill>
+            <a:tailEnd type="triangle"/>
+          </a:ln>
+        </p:spPr>
+        <p:style>
+          <a:lnRef idx="3">
+            <a:schemeClr val="accent2"/>
+          </a:lnRef>
+          <a:fillRef idx="0">
+            <a:schemeClr val="accent2"/>
+          </a:fillRef>
+          <a:effectRef idx="2">
+            <a:schemeClr val="accent2"/>
+          </a:effectRef>
+          <a:fontRef idx="minor">
+            <a:schemeClr val="tx1"/>
+          </a:fontRef>
+        </p:style>
+      </p:cxnSp>
+      <p:cxnSp>
+        <p:nvCxnSpPr>
+          <p:cNvPr id="56" name="Conector recto de flecha 55">
+            <a:extLst>
+              <a:ext uri="{FF2B5EF4-FFF2-40B4-BE49-F238E27FC236}">
+                <a16:creationId xmlns:a16="http://schemas.microsoft.com/office/drawing/2014/main" id="{6ACD421E-D66B-41A7-A30F-DB2C0610DC1B}"/>
+              </a:ext>
+            </a:extLst>
+          </p:cNvPr>
+          <p:cNvCxnSpPr>
+            <a:cxnSpLocks/>
+            <a:stCxn id="11" idx="4"/>
+            <a:endCxn id="6" idx="0"/>
+          </p:cNvCxnSpPr>
+          <p:nvPr/>
+        </p:nvCxnSpPr>
+        <p:spPr>
+          <a:xfrm flipH="1">
+            <a:off x="6128685" y="4418215"/>
+            <a:ext cx="20407" cy="886973"/>
           </a:xfrm>
           <a:prstGeom prst="straightConnector1">
             <a:avLst/>
@@ -4627,78 +4898,32 @@
           </a:fontRef>
         </p:style>
       </p:cxnSp>
-      <p:sp>
-        <p:nvSpPr>
-          <p:cNvPr id="273" name="Arco 272">
-            <a:extLst>
-              <a:ext uri="{FF2B5EF4-FFF2-40B4-BE49-F238E27FC236}">
-                <a16:creationId xmlns:a16="http://schemas.microsoft.com/office/drawing/2014/main" id="{A5EEBB17-6318-408D-ABAB-EF886A096131}"/>
-              </a:ext>
-            </a:extLst>
-          </p:cNvPr>
-          <p:cNvSpPr/>
-          <p:nvPr/>
-        </p:nvSpPr>
-        <p:spPr>
-          <a:xfrm>
-            <a:off x="5333268" y="3218065"/>
-            <a:ext cx="815823" cy="800100"/>
-          </a:xfrm>
-          <a:prstGeom prst="arc">
-            <a:avLst>
-              <a:gd name="adj1" fmla="val 5144983"/>
-              <a:gd name="adj2" fmla="val 0"/>
-            </a:avLst>
-          </a:prstGeom>
-        </p:spPr>
-        <p:style>
-          <a:lnRef idx="1">
-            <a:schemeClr val="accent1"/>
-          </a:lnRef>
-          <a:fillRef idx="0">
-            <a:schemeClr val="accent1"/>
-          </a:fillRef>
-          <a:effectRef idx="0">
-            <a:schemeClr val="accent1"/>
-          </a:effectRef>
-          <a:fontRef idx="minor">
-            <a:schemeClr val="tx1"/>
-          </a:fontRef>
-        </p:style>
-        <p:txBody>
-          <a:bodyPr rtlCol="0" anchor="ctr"/>
-          <a:lstStyle/>
-          <a:p>
-            <a:pPr algn="ctr"/>
-            <a:endParaRPr lang="es-MX"/>
-          </a:p>
-        </p:txBody>
-      </p:sp>
       <p:cxnSp>
         <p:nvCxnSpPr>
-          <p:cNvPr id="16" name="Conector recto de flecha 15">
-            <a:extLst>
-              <a:ext uri="{FF2B5EF4-FFF2-40B4-BE49-F238E27FC236}">
-                <a16:creationId xmlns:a16="http://schemas.microsoft.com/office/drawing/2014/main" id="{B8A9CC04-30D6-4291-A447-1E72FEC79F06}"/>
+          <p:cNvPr id="59" name="Conector recto de flecha 58">
+            <a:extLst>
+              <a:ext uri="{FF2B5EF4-FFF2-40B4-BE49-F238E27FC236}">
+                <a16:creationId xmlns:a16="http://schemas.microsoft.com/office/drawing/2014/main" id="{5E35012E-EFEA-44ED-93A0-9AABA593E2C6}"/>
               </a:ext>
             </a:extLst>
           </p:cNvPr>
           <p:cNvCxnSpPr>
             <a:cxnSpLocks/>
-            <a:stCxn id="12" idx="3"/>
-            <a:endCxn id="6" idx="7"/>
+            <a:stCxn id="10" idx="4"/>
+            <a:endCxn id="8" idx="0"/>
           </p:cNvCxnSpPr>
           <p:nvPr/>
         </p:nvCxnSpPr>
         <p:spPr>
-          <a:xfrm flipH="1">
-            <a:off x="6398093" y="4326094"/>
-            <a:ext cx="1234435" cy="1096266"/>
+          <a:xfrm>
+            <a:off x="4389930" y="4418215"/>
+            <a:ext cx="840" cy="882541"/>
           </a:xfrm>
           <a:prstGeom prst="straightConnector1">
             <a:avLst/>
           </a:prstGeom>
           <a:ln>
+            <a:headEnd type="triangle"/>
             <a:tailEnd type="triangle"/>
           </a:ln>
         </p:spPr>

--- a/Documentos/Estatus Solicitudes de Nómina.pptx
+++ b/Documentos/Estatus Solicitudes de Nómina.pptx
@@ -261,7 +261,7 @@
           <a:p>
             <a:fld id="{440015AB-466E-464C-BA3E-3457FB5CFC21}" type="datetimeFigureOut">
               <a:rPr lang="es-MX" smtClean="0"/>
-              <a:t>08/02/2019</a:t>
+              <a:t>11/02/2019</a:t>
             </a:fld>
             <a:endParaRPr lang="es-MX"/>
           </a:p>
@@ -461,7 +461,7 @@
           <a:p>
             <a:fld id="{440015AB-466E-464C-BA3E-3457FB5CFC21}" type="datetimeFigureOut">
               <a:rPr lang="es-MX" smtClean="0"/>
-              <a:t>08/02/2019</a:t>
+              <a:t>11/02/2019</a:t>
             </a:fld>
             <a:endParaRPr lang="es-MX"/>
           </a:p>
@@ -671,7 +671,7 @@
           <a:p>
             <a:fld id="{440015AB-466E-464C-BA3E-3457FB5CFC21}" type="datetimeFigureOut">
               <a:rPr lang="es-MX" smtClean="0"/>
-              <a:t>08/02/2019</a:t>
+              <a:t>11/02/2019</a:t>
             </a:fld>
             <a:endParaRPr lang="es-MX"/>
           </a:p>
@@ -871,7 +871,7 @@
           <a:p>
             <a:fld id="{440015AB-466E-464C-BA3E-3457FB5CFC21}" type="datetimeFigureOut">
               <a:rPr lang="es-MX" smtClean="0"/>
-              <a:t>08/02/2019</a:t>
+              <a:t>11/02/2019</a:t>
             </a:fld>
             <a:endParaRPr lang="es-MX"/>
           </a:p>
@@ -1147,7 +1147,7 @@
           <a:p>
             <a:fld id="{440015AB-466E-464C-BA3E-3457FB5CFC21}" type="datetimeFigureOut">
               <a:rPr lang="es-MX" smtClean="0"/>
-              <a:t>08/02/2019</a:t>
+              <a:t>11/02/2019</a:t>
             </a:fld>
             <a:endParaRPr lang="es-MX"/>
           </a:p>
@@ -1415,7 +1415,7 @@
           <a:p>
             <a:fld id="{440015AB-466E-464C-BA3E-3457FB5CFC21}" type="datetimeFigureOut">
               <a:rPr lang="es-MX" smtClean="0"/>
-              <a:t>08/02/2019</a:t>
+              <a:t>11/02/2019</a:t>
             </a:fld>
             <a:endParaRPr lang="es-MX"/>
           </a:p>
@@ -1830,7 +1830,7 @@
           <a:p>
             <a:fld id="{440015AB-466E-464C-BA3E-3457FB5CFC21}" type="datetimeFigureOut">
               <a:rPr lang="es-MX" smtClean="0"/>
-              <a:t>08/02/2019</a:t>
+              <a:t>11/02/2019</a:t>
             </a:fld>
             <a:endParaRPr lang="es-MX"/>
           </a:p>
@@ -1972,7 +1972,7 @@
           <a:p>
             <a:fld id="{440015AB-466E-464C-BA3E-3457FB5CFC21}" type="datetimeFigureOut">
               <a:rPr lang="es-MX" smtClean="0"/>
-              <a:t>08/02/2019</a:t>
+              <a:t>11/02/2019</a:t>
             </a:fld>
             <a:endParaRPr lang="es-MX"/>
           </a:p>
@@ -2085,7 +2085,7 @@
           <a:p>
             <a:fld id="{440015AB-466E-464C-BA3E-3457FB5CFC21}" type="datetimeFigureOut">
               <a:rPr lang="es-MX" smtClean="0"/>
-              <a:t>08/02/2019</a:t>
+              <a:t>11/02/2019</a:t>
             </a:fld>
             <a:endParaRPr lang="es-MX"/>
           </a:p>
@@ -2398,7 +2398,7 @@
           <a:p>
             <a:fld id="{440015AB-466E-464C-BA3E-3457FB5CFC21}" type="datetimeFigureOut">
               <a:rPr lang="es-MX" smtClean="0"/>
-              <a:t>08/02/2019</a:t>
+              <a:t>11/02/2019</a:t>
             </a:fld>
             <a:endParaRPr lang="es-MX"/>
           </a:p>
@@ -2687,7 +2687,7 @@
           <a:p>
             <a:fld id="{440015AB-466E-464C-BA3E-3457FB5CFC21}" type="datetimeFigureOut">
               <a:rPr lang="es-MX" smtClean="0"/>
-              <a:t>08/02/2019</a:t>
+              <a:t>11/02/2019</a:t>
             </a:fld>
             <a:endParaRPr lang="es-MX"/>
           </a:p>
@@ -2930,7 +2930,7 @@
           <a:p>
             <a:fld id="{440015AB-466E-464C-BA3E-3457FB5CFC21}" type="datetimeFigureOut">
               <a:rPr lang="es-MX" smtClean="0"/>
-              <a:t>08/02/2019</a:t>
+              <a:t>11/02/2019</a:t>
             </a:fld>
             <a:endParaRPr lang="es-MX"/>
           </a:p>
@@ -4493,18 +4493,21 @@
             <a:avLst/>
           </a:prstGeom>
           <a:ln>
+            <a:solidFill>
+              <a:srgbClr val="FF0000"/>
+            </a:solidFill>
             <a:tailEnd type="triangle"/>
           </a:ln>
         </p:spPr>
         <p:style>
-          <a:lnRef idx="1">
-            <a:schemeClr val="accent1"/>
+          <a:lnRef idx="3">
+            <a:schemeClr val="accent2"/>
           </a:lnRef>
           <a:fillRef idx="0">
-            <a:schemeClr val="accent1"/>
+            <a:schemeClr val="accent2"/>
           </a:fillRef>
-          <a:effectRef idx="0">
-            <a:schemeClr val="accent1"/>
+          <a:effectRef idx="2">
+            <a:schemeClr val="accent2"/>
           </a:effectRef>
           <a:fontRef idx="minor">
             <a:schemeClr val="tx1"/>

--- a/Documentos/Estatus Solicitudes de Nómina.pptx
+++ b/Documentos/Estatus Solicitudes de Nómina.pptx
@@ -261,7 +261,7 @@
           <a:p>
             <a:fld id="{440015AB-466E-464C-BA3E-3457FB5CFC21}" type="datetimeFigureOut">
               <a:rPr lang="es-MX" smtClean="0"/>
-              <a:t>11/02/2019</a:t>
+              <a:t>12/02/2019</a:t>
             </a:fld>
             <a:endParaRPr lang="es-MX"/>
           </a:p>
@@ -461,7 +461,7 @@
           <a:p>
             <a:fld id="{440015AB-466E-464C-BA3E-3457FB5CFC21}" type="datetimeFigureOut">
               <a:rPr lang="es-MX" smtClean="0"/>
-              <a:t>11/02/2019</a:t>
+              <a:t>12/02/2019</a:t>
             </a:fld>
             <a:endParaRPr lang="es-MX"/>
           </a:p>
@@ -671,7 +671,7 @@
           <a:p>
             <a:fld id="{440015AB-466E-464C-BA3E-3457FB5CFC21}" type="datetimeFigureOut">
               <a:rPr lang="es-MX" smtClean="0"/>
-              <a:t>11/02/2019</a:t>
+              <a:t>12/02/2019</a:t>
             </a:fld>
             <a:endParaRPr lang="es-MX"/>
           </a:p>
@@ -871,7 +871,7 @@
           <a:p>
             <a:fld id="{440015AB-466E-464C-BA3E-3457FB5CFC21}" type="datetimeFigureOut">
               <a:rPr lang="es-MX" smtClean="0"/>
-              <a:t>11/02/2019</a:t>
+              <a:t>12/02/2019</a:t>
             </a:fld>
             <a:endParaRPr lang="es-MX"/>
           </a:p>
@@ -1147,7 +1147,7 @@
           <a:p>
             <a:fld id="{440015AB-466E-464C-BA3E-3457FB5CFC21}" type="datetimeFigureOut">
               <a:rPr lang="es-MX" smtClean="0"/>
-              <a:t>11/02/2019</a:t>
+              <a:t>12/02/2019</a:t>
             </a:fld>
             <a:endParaRPr lang="es-MX"/>
           </a:p>
@@ -1415,7 +1415,7 @@
           <a:p>
             <a:fld id="{440015AB-466E-464C-BA3E-3457FB5CFC21}" type="datetimeFigureOut">
               <a:rPr lang="es-MX" smtClean="0"/>
-              <a:t>11/02/2019</a:t>
+              <a:t>12/02/2019</a:t>
             </a:fld>
             <a:endParaRPr lang="es-MX"/>
           </a:p>
@@ -1830,7 +1830,7 @@
           <a:p>
             <a:fld id="{440015AB-466E-464C-BA3E-3457FB5CFC21}" type="datetimeFigureOut">
               <a:rPr lang="es-MX" smtClean="0"/>
-              <a:t>11/02/2019</a:t>
+              <a:t>12/02/2019</a:t>
             </a:fld>
             <a:endParaRPr lang="es-MX"/>
           </a:p>
@@ -1972,7 +1972,7 @@
           <a:p>
             <a:fld id="{440015AB-466E-464C-BA3E-3457FB5CFC21}" type="datetimeFigureOut">
               <a:rPr lang="es-MX" smtClean="0"/>
-              <a:t>11/02/2019</a:t>
+              <a:t>12/02/2019</a:t>
             </a:fld>
             <a:endParaRPr lang="es-MX"/>
           </a:p>
@@ -2085,7 +2085,7 @@
           <a:p>
             <a:fld id="{440015AB-466E-464C-BA3E-3457FB5CFC21}" type="datetimeFigureOut">
               <a:rPr lang="es-MX" smtClean="0"/>
-              <a:t>11/02/2019</a:t>
+              <a:t>12/02/2019</a:t>
             </a:fld>
             <a:endParaRPr lang="es-MX"/>
           </a:p>
@@ -2398,7 +2398,7 @@
           <a:p>
             <a:fld id="{440015AB-466E-464C-BA3E-3457FB5CFC21}" type="datetimeFigureOut">
               <a:rPr lang="es-MX" smtClean="0"/>
-              <a:t>11/02/2019</a:t>
+              <a:t>12/02/2019</a:t>
             </a:fld>
             <a:endParaRPr lang="es-MX"/>
           </a:p>
@@ -2687,7 +2687,7 @@
           <a:p>
             <a:fld id="{440015AB-466E-464C-BA3E-3457FB5CFC21}" type="datetimeFigureOut">
               <a:rPr lang="es-MX" smtClean="0"/>
-              <a:t>11/02/2019</a:t>
+              <a:t>12/02/2019</a:t>
             </a:fld>
             <a:endParaRPr lang="es-MX"/>
           </a:p>
@@ -2930,7 +2930,7 @@
           <a:p>
             <a:fld id="{440015AB-466E-464C-BA3E-3457FB5CFC21}" type="datetimeFigureOut">
               <a:rPr lang="es-MX" smtClean="0"/>
-              <a:t>11/02/2019</a:t>
+              <a:t>12/02/2019</a:t>
             </a:fld>
             <a:endParaRPr lang="es-MX"/>
           </a:p>
@@ -4343,49 +4343,6 @@
       </p:cxnSp>
       <p:cxnSp>
         <p:nvCxnSpPr>
-          <p:cNvPr id="40" name="Conector recto de flecha 39">
-            <a:extLst>
-              <a:ext uri="{FF2B5EF4-FFF2-40B4-BE49-F238E27FC236}">
-                <a16:creationId xmlns:a16="http://schemas.microsoft.com/office/drawing/2014/main" id="{476FC181-BE82-4649-B6ED-9516D584FA51}"/>
-              </a:ext>
-            </a:extLst>
-          </p:cNvPr>
-          <p:cNvCxnSpPr>
-            <a:cxnSpLocks/>
-            <a:stCxn id="6" idx="6"/>
-            <a:endCxn id="13" idx="3"/>
-          </p:cNvCxnSpPr>
-          <p:nvPr/>
-        </p:nvCxnSpPr>
-        <p:spPr>
-          <a:xfrm flipV="1">
-            <a:off x="6509685" y="4326094"/>
-            <a:ext cx="2875687" cy="1379144"/>
-          </a:xfrm>
-          <a:prstGeom prst="straightConnector1">
-            <a:avLst/>
-          </a:prstGeom>
-          <a:ln>
-            <a:tailEnd type="triangle"/>
-          </a:ln>
-        </p:spPr>
-        <p:style>
-          <a:lnRef idx="1">
-            <a:schemeClr val="accent1"/>
-          </a:lnRef>
-          <a:fillRef idx="0">
-            <a:schemeClr val="accent1"/>
-          </a:fillRef>
-          <a:effectRef idx="0">
-            <a:schemeClr val="accent1"/>
-          </a:effectRef>
-          <a:fontRef idx="minor">
-            <a:schemeClr val="tx1"/>
-          </a:fontRef>
-        </p:style>
-      </p:cxnSp>
-      <p:cxnSp>
-        <p:nvCxnSpPr>
           <p:cNvPr id="50" name="Conector recto de flecha 49">
             <a:extLst>
               <a:ext uri="{FF2B5EF4-FFF2-40B4-BE49-F238E27FC236}">
